--- a/3-3 Add-ons.pptx
+++ b/3-3 Add-ons.pptx
@@ -202,7 +202,7 @@
           <a:p>
             <a:fld id="{82604E9E-60DE-417E-849E-2CDE7F357628}" type="datetimeFigureOut">
               <a:rPr lang="en-US" smtClean="0"/>
-              <a:t>7/25/2017</a:t>
+              <a:t>7/27/2017</a:t>
             </a:fld>
             <a:endParaRPr lang="en-US"/>
           </a:p>
@@ -717,7 +717,7 @@
           <a:p>
             <a:fld id="{0D913C1F-5111-45C8-8646-4E60C4FCFD33}" type="datetime1">
               <a:rPr lang="en-US" smtClean="0"/>
-              <a:t>7/25/2017</a:t>
+              <a:t>7/27/2017</a:t>
             </a:fld>
             <a:endParaRPr lang="en-US"/>
           </a:p>
@@ -892,7 +892,7 @@
           <a:p>
             <a:fld id="{D3A57730-C926-45F0-9361-C8E6CC7EFAB1}" type="datetime1">
               <a:rPr lang="en-US" smtClean="0"/>
-              <a:t>7/25/2017</a:t>
+              <a:t>7/27/2017</a:t>
             </a:fld>
             <a:endParaRPr lang="en-US"/>
           </a:p>
@@ -1072,7 +1072,7 @@
           <a:p>
             <a:fld id="{72F94769-6EA4-484E-8E33-A5D2CCD7F3B4}" type="datetime1">
               <a:rPr lang="en-US" smtClean="0"/>
-              <a:t>7/25/2017</a:t>
+              <a:t>7/27/2017</a:t>
             </a:fld>
             <a:endParaRPr lang="en-US"/>
           </a:p>
@@ -1242,7 +1242,7 @@
           <a:p>
             <a:fld id="{875CDD8C-CF5A-4DB3-98F8-3A2639B39FE9}" type="datetime1">
               <a:rPr lang="en-US" smtClean="0"/>
-              <a:t>7/25/2017</a:t>
+              <a:t>7/27/2017</a:t>
             </a:fld>
             <a:endParaRPr lang="en-US"/>
           </a:p>
@@ -1510,7 +1510,7 @@
           <a:p>
             <a:fld id="{73567B6B-69B5-4721-8DDE-4EEC9B6DCE0D}" type="datetime1">
               <a:rPr lang="en-US" smtClean="0"/>
-              <a:t>7/25/2017</a:t>
+              <a:t>7/27/2017</a:t>
             </a:fld>
             <a:endParaRPr lang="en-US"/>
           </a:p>
@@ -1742,7 +1742,7 @@
           <a:p>
             <a:fld id="{98DD2B97-22CE-4922-9B75-1DD88489AFD6}" type="datetime1">
               <a:rPr lang="en-US" smtClean="0"/>
-              <a:t>7/25/2017</a:t>
+              <a:t>7/27/2017</a:t>
             </a:fld>
             <a:endParaRPr lang="en-US"/>
           </a:p>
@@ -2101,7 +2101,7 @@
           <a:p>
             <a:fld id="{71335CB9-B160-4C99-9B3C-64E62B2B8AA1}" type="datetime1">
               <a:rPr lang="en-US" smtClean="0"/>
-              <a:t>7/25/2017</a:t>
+              <a:t>7/27/2017</a:t>
             </a:fld>
             <a:endParaRPr lang="en-US"/>
           </a:p>
@@ -2242,7 +2242,7 @@
           <a:p>
             <a:fld id="{AB5FD2A9-980D-4792-8107-6837CF22CACC}" type="datetime1">
               <a:rPr lang="en-US" smtClean="0"/>
-              <a:t>7/25/2017</a:t>
+              <a:t>7/27/2017</a:t>
             </a:fld>
             <a:endParaRPr lang="en-US"/>
           </a:p>
@@ -2337,7 +2337,7 @@
           <a:p>
             <a:fld id="{AE49ADA3-5F6C-44F2-923F-B96DDB41268F}" type="datetime1">
               <a:rPr lang="en-US" smtClean="0"/>
-              <a:t>7/25/2017</a:t>
+              <a:t>7/27/2017</a:t>
             </a:fld>
             <a:endParaRPr lang="en-US"/>
           </a:p>
@@ -2694,7 +2694,7 @@
           <a:p>
             <a:fld id="{CD641920-CFA1-454E-AD47-3EEEB5605BD0}" type="datetime1">
               <a:rPr lang="en-US" smtClean="0"/>
-              <a:t>7/25/2017</a:t>
+              <a:t>7/27/2017</a:t>
             </a:fld>
             <a:endParaRPr lang="en-US"/>
           </a:p>
@@ -3051,7 +3051,7 @@
           <a:p>
             <a:fld id="{F3A5C466-8A77-4A43-A9E6-B875AC354BDD}" type="datetime1">
               <a:rPr lang="en-US" smtClean="0"/>
-              <a:t>7/25/2017</a:t>
+              <a:t>7/27/2017</a:t>
             </a:fld>
             <a:endParaRPr lang="en-US"/>
           </a:p>
@@ -3292,7 +3292,7 @@
           <a:p>
             <a:fld id="{8C1F079E-EE37-4F70-8A6F-71D0624FBE44}" type="datetime1">
               <a:rPr lang="en-US" smtClean="0"/>
-              <a:t>7/25/2017</a:t>
+              <a:t>7/27/2017</a:t>
             </a:fld>
             <a:endParaRPr lang="en-US"/>
           </a:p>
@@ -3763,8 +3763,8 @@
         </p:nvSpPr>
         <p:spPr>
           <a:xfrm>
-            <a:off x="1248076" y="2386744"/>
-            <a:ext cx="9695848" cy="1645920"/>
+            <a:off x="2337014" y="2386744"/>
+            <a:ext cx="7517972" cy="1645920"/>
           </a:xfrm>
         </p:spPr>
         <p:txBody>
@@ -3786,7 +3786,7 @@
             </a:br>
             <a:r>
               <a:rPr lang="en-US" dirty="0"/>
-              <a:t>2-1 Web App in the Market Places</a:t>
+              <a:t>3-3 Add-ons</a:t>
             </a:r>
           </a:p>
         </p:txBody>

--- a/3-3 Add-ons.pptx
+++ b/3-3 Add-ons.pptx
@@ -5,11 +5,14 @@
     <p:sldMasterId id="2147483660" r:id="rId1"/>
   </p:sldMasterIdLst>
   <p:notesMasterIdLst>
-    <p:notesMasterId r:id="rId4"/>
+    <p:notesMasterId r:id="rId7"/>
   </p:notesMasterIdLst>
   <p:sldIdLst>
     <p:sldId id="256" r:id="rId2"/>
-    <p:sldId id="273" r:id="rId3"/>
+    <p:sldId id="274" r:id="rId3"/>
+    <p:sldId id="273" r:id="rId4"/>
+    <p:sldId id="275" r:id="rId5"/>
+    <p:sldId id="276" r:id="rId6"/>
   </p:sldIdLst>
   <p:sldSz cx="12192000" cy="6858000"/>
   <p:notesSz cx="6858000" cy="9144000"/>
@@ -202,7 +205,7 @@
           <a:p>
             <a:fld id="{82604E9E-60DE-417E-849E-2CDE7F357628}" type="datetimeFigureOut">
               <a:rPr lang="en-US" smtClean="0"/>
-              <a:t>7/27/2017</a:t>
+              <a:t>7/30/2017</a:t>
             </a:fld>
             <a:endParaRPr lang="en-US"/>
           </a:p>
@@ -554,6 +557,100 @@
 </p:notes>
 </file>
 
+<file path=ppt/notesSlides/notesSlide2.xml><?xml version="1.0" encoding="utf-8"?>
+<p:notes xmlns:a="http://schemas.openxmlformats.org/drawingml/2006/main" xmlns:r="http://schemas.openxmlformats.org/officeDocument/2006/relationships" xmlns:p="http://schemas.openxmlformats.org/presentationml/2006/main">
+  <p:cSld>
+    <p:spTree>
+      <p:nvGrpSpPr>
+        <p:cNvPr id="1" name=""/>
+        <p:cNvGrpSpPr/>
+        <p:nvPr/>
+      </p:nvGrpSpPr>
+      <p:grpSpPr>
+        <a:xfrm>
+          <a:off x="0" y="0"/>
+          <a:ext cx="0" cy="0"/>
+          <a:chOff x="0" y="0"/>
+          <a:chExt cx="0" cy="0"/>
+        </a:xfrm>
+      </p:grpSpPr>
+      <p:sp>
+        <p:nvSpPr>
+          <p:cNvPr id="2" name="슬라이드 이미지 개체 틀 1"/>
+          <p:cNvSpPr>
+            <a:spLocks noGrp="1" noRot="1" noChangeAspect="1"/>
+          </p:cNvSpPr>
+          <p:nvPr>
+            <p:ph type="sldImg"/>
+          </p:nvPr>
+        </p:nvSpPr>
+        <p:spPr/>
+      </p:sp>
+      <p:sp>
+        <p:nvSpPr>
+          <p:cNvPr id="3" name="슬라이드 노트 개체 틀 2"/>
+          <p:cNvSpPr>
+            <a:spLocks noGrp="1"/>
+          </p:cNvSpPr>
+          <p:nvPr>
+            <p:ph type="body" idx="1"/>
+          </p:nvPr>
+        </p:nvSpPr>
+        <p:spPr/>
+        <p:txBody>
+          <a:bodyPr/>
+          <a:lstStyle/>
+          <a:p>
+            <a:r>
+              <a:rPr lang="en-GB" dirty="0"/>
+              <a:t>API.AI, Facebook page, Heroku server</a:t>
+            </a:r>
+          </a:p>
+          <a:p>
+            <a:r>
+              <a:rPr lang="en-GB" dirty="0"/>
+              <a:t>are connected with token verify</a:t>
+            </a:r>
+            <a:endParaRPr lang="en-US" dirty="0"/>
+          </a:p>
+        </p:txBody>
+      </p:sp>
+      <p:sp>
+        <p:nvSpPr>
+          <p:cNvPr id="4" name="슬라이드 번호 개체 틀 3"/>
+          <p:cNvSpPr>
+            <a:spLocks noGrp="1"/>
+          </p:cNvSpPr>
+          <p:nvPr>
+            <p:ph type="sldNum" sz="quarter" idx="10"/>
+          </p:nvPr>
+        </p:nvSpPr>
+        <p:spPr/>
+        <p:txBody>
+          <a:bodyPr/>
+          <a:lstStyle/>
+          <a:p>
+            <a:fld id="{772745C2-B5F1-4B10-8C0E-DEBCE2EB7236}" type="slidenum">
+              <a:rPr lang="en-US" smtClean="0"/>
+              <a:t>2</a:t>
+            </a:fld>
+            <a:endParaRPr lang="en-US"/>
+          </a:p>
+        </p:txBody>
+      </p:sp>
+    </p:spTree>
+    <p:extLst>
+      <p:ext uri="{BB962C8B-B14F-4D97-AF65-F5344CB8AC3E}">
+        <p14:creationId xmlns:p14="http://schemas.microsoft.com/office/powerpoint/2010/main" val="3528535259"/>
+      </p:ext>
+    </p:extLst>
+  </p:cSld>
+  <p:clrMapOvr>
+    <a:masterClrMapping/>
+  </p:clrMapOvr>
+</p:notes>
+</file>
+
 <file path=ppt/slideLayouts/slideLayout1.xml><?xml version="1.0" encoding="utf-8"?>
 <p:sldLayout xmlns:a="http://schemas.openxmlformats.org/drawingml/2006/main" xmlns:r="http://schemas.openxmlformats.org/officeDocument/2006/relationships" xmlns:p="http://schemas.openxmlformats.org/presentationml/2006/main" type="title" preserve="1">
   <p:cSld name="제목 슬라이드">
@@ -717,7 +814,7 @@
           <a:p>
             <a:fld id="{0D913C1F-5111-45C8-8646-4E60C4FCFD33}" type="datetime1">
               <a:rPr lang="en-US" smtClean="0"/>
-              <a:t>7/27/2017</a:t>
+              <a:t>7/30/2017</a:t>
             </a:fld>
             <a:endParaRPr lang="en-US"/>
           </a:p>
@@ -892,7 +989,7 @@
           <a:p>
             <a:fld id="{D3A57730-C926-45F0-9361-C8E6CC7EFAB1}" type="datetime1">
               <a:rPr lang="en-US" smtClean="0"/>
-              <a:t>7/27/2017</a:t>
+              <a:t>7/30/2017</a:t>
             </a:fld>
             <a:endParaRPr lang="en-US"/>
           </a:p>
@@ -1072,7 +1169,7 @@
           <a:p>
             <a:fld id="{72F94769-6EA4-484E-8E33-A5D2CCD7F3B4}" type="datetime1">
               <a:rPr lang="en-US" smtClean="0"/>
-              <a:t>7/27/2017</a:t>
+              <a:t>7/30/2017</a:t>
             </a:fld>
             <a:endParaRPr lang="en-US"/>
           </a:p>
@@ -1242,7 +1339,7 @@
           <a:p>
             <a:fld id="{875CDD8C-CF5A-4DB3-98F8-3A2639B39FE9}" type="datetime1">
               <a:rPr lang="en-US" smtClean="0"/>
-              <a:t>7/27/2017</a:t>
+              <a:t>7/30/2017</a:t>
             </a:fld>
             <a:endParaRPr lang="en-US"/>
           </a:p>
@@ -1510,7 +1607,7 @@
           <a:p>
             <a:fld id="{73567B6B-69B5-4721-8DDE-4EEC9B6DCE0D}" type="datetime1">
               <a:rPr lang="en-US" smtClean="0"/>
-              <a:t>7/27/2017</a:t>
+              <a:t>7/30/2017</a:t>
             </a:fld>
             <a:endParaRPr lang="en-US"/>
           </a:p>
@@ -1742,7 +1839,7 @@
           <a:p>
             <a:fld id="{98DD2B97-22CE-4922-9B75-1DD88489AFD6}" type="datetime1">
               <a:rPr lang="en-US" smtClean="0"/>
-              <a:t>7/27/2017</a:t>
+              <a:t>7/30/2017</a:t>
             </a:fld>
             <a:endParaRPr lang="en-US"/>
           </a:p>
@@ -2101,7 +2198,7 @@
           <a:p>
             <a:fld id="{71335CB9-B160-4C99-9B3C-64E62B2B8AA1}" type="datetime1">
               <a:rPr lang="en-US" smtClean="0"/>
-              <a:t>7/27/2017</a:t>
+              <a:t>7/30/2017</a:t>
             </a:fld>
             <a:endParaRPr lang="en-US"/>
           </a:p>
@@ -2242,7 +2339,7 @@
           <a:p>
             <a:fld id="{AB5FD2A9-980D-4792-8107-6837CF22CACC}" type="datetime1">
               <a:rPr lang="en-US" smtClean="0"/>
-              <a:t>7/27/2017</a:t>
+              <a:t>7/30/2017</a:t>
             </a:fld>
             <a:endParaRPr lang="en-US"/>
           </a:p>
@@ -2337,7 +2434,7 @@
           <a:p>
             <a:fld id="{AE49ADA3-5F6C-44F2-923F-B96DDB41268F}" type="datetime1">
               <a:rPr lang="en-US" smtClean="0"/>
-              <a:t>7/27/2017</a:t>
+              <a:t>7/30/2017</a:t>
             </a:fld>
             <a:endParaRPr lang="en-US"/>
           </a:p>
@@ -2694,7 +2791,7 @@
           <a:p>
             <a:fld id="{CD641920-CFA1-454E-AD47-3EEEB5605BD0}" type="datetime1">
               <a:rPr lang="en-US" smtClean="0"/>
-              <a:t>7/27/2017</a:t>
+              <a:t>7/30/2017</a:t>
             </a:fld>
             <a:endParaRPr lang="en-US"/>
           </a:p>
@@ -3051,7 +3148,7 @@
           <a:p>
             <a:fld id="{F3A5C466-8A77-4A43-A9E6-B875AC354BDD}" type="datetime1">
               <a:rPr lang="en-US" smtClean="0"/>
-              <a:t>7/27/2017</a:t>
+              <a:t>7/30/2017</a:t>
             </a:fld>
             <a:endParaRPr lang="en-US"/>
           </a:p>
@@ -3292,7 +3389,7 @@
           <a:p>
             <a:fld id="{8C1F079E-EE37-4F70-8A6F-71D0624FBE44}" type="datetime1">
               <a:rPr lang="en-US" smtClean="0"/>
-              <a:t>7/27/2017</a:t>
+              <a:t>7/30/2017</a:t>
             </a:fld>
             <a:endParaRPr lang="en-US"/>
           </a:p>
@@ -3893,6 +3990,1028 @@
           <p:cNvPr id="2" name="제목 1">
             <a:extLst>
               <a:ext uri="{FF2B5EF4-FFF2-40B4-BE49-F238E27FC236}">
+                <a16:creationId xmlns:a16="http://schemas.microsoft.com/office/drawing/2014/main" id="{1A57E564-09E0-4238-A9E8-39CB26229891}"/>
+              </a:ext>
+            </a:extLst>
+          </p:cNvPr>
+          <p:cNvSpPr>
+            <a:spLocks noGrp="1"/>
+          </p:cNvSpPr>
+          <p:nvPr>
+            <p:ph type="title"/>
+          </p:nvPr>
+        </p:nvSpPr>
+        <p:spPr>
+          <a:xfrm>
+            <a:off x="2611783" y="601275"/>
+            <a:ext cx="6881449" cy="1188720"/>
+          </a:xfrm>
+        </p:spPr>
+        <p:txBody>
+          <a:bodyPr/>
+          <a:lstStyle/>
+          <a:p>
+            <a:r>
+              <a:rPr lang="en-US" dirty="0"/>
+              <a:t>How API.AI Connected</a:t>
+            </a:r>
+          </a:p>
+        </p:txBody>
+      </p:sp>
+      <p:sp>
+        <p:nvSpPr>
+          <p:cNvPr id="38" name="슬라이드 번호 개체 틀 37">
+            <a:extLst>
+              <a:ext uri="{FF2B5EF4-FFF2-40B4-BE49-F238E27FC236}">
+                <a16:creationId xmlns:a16="http://schemas.microsoft.com/office/drawing/2014/main" id="{EA584632-DDD4-4959-90F3-25989E8DA709}"/>
+              </a:ext>
+            </a:extLst>
+          </p:cNvPr>
+          <p:cNvSpPr>
+            <a:spLocks noGrp="1"/>
+          </p:cNvSpPr>
+          <p:nvPr>
+            <p:ph type="sldNum" sz="quarter" idx="12"/>
+          </p:nvPr>
+        </p:nvSpPr>
+        <p:spPr/>
+        <p:txBody>
+          <a:bodyPr/>
+          <a:lstStyle/>
+          <a:p>
+            <a:fld id="{8B9A499C-E7AC-4E74-9635-A20519089A3A}" type="slidenum">
+              <a:rPr lang="en-US" smtClean="0"/>
+              <a:t>2</a:t>
+            </a:fld>
+            <a:endParaRPr lang="en-US"/>
+          </a:p>
+        </p:txBody>
+      </p:sp>
+      <p:sp>
+        <p:nvSpPr>
+          <p:cNvPr id="20" name="TextBox 19">
+            <a:extLst>
+              <a:ext uri="{FF2B5EF4-FFF2-40B4-BE49-F238E27FC236}">
+                <a16:creationId xmlns:a16="http://schemas.microsoft.com/office/drawing/2014/main" id="{F7C69F09-0542-4585-8F31-953E5D743F0A}"/>
+              </a:ext>
+            </a:extLst>
+          </p:cNvPr>
+          <p:cNvSpPr txBox="1"/>
+          <p:nvPr/>
+        </p:nvSpPr>
+        <p:spPr>
+          <a:xfrm>
+            <a:off x="9571733" y="3988174"/>
+            <a:ext cx="1622322" cy="858548"/>
+          </a:xfrm>
+          <a:prstGeom prst="roundRect">
+            <a:avLst/>
+          </a:prstGeom>
+          <a:solidFill>
+            <a:srgbClr val="F6A21D"/>
+          </a:solidFill>
+        </p:spPr>
+        <p:txBody>
+          <a:bodyPr wrap="square" rtlCol="0" anchor="ctr" anchorCtr="0">
+            <a:noAutofit/>
+          </a:bodyPr>
+          <a:lstStyle/>
+          <a:p>
+            <a:pPr algn="ctr"/>
+            <a:r>
+              <a:rPr lang="en-US" sz="3000" dirty="0"/>
+              <a:t>User</a:t>
+            </a:r>
+          </a:p>
+        </p:txBody>
+      </p:sp>
+      <p:sp>
+        <p:nvSpPr>
+          <p:cNvPr id="21" name="TextBox 20">
+            <a:extLst>
+              <a:ext uri="{FF2B5EF4-FFF2-40B4-BE49-F238E27FC236}">
+                <a16:creationId xmlns:a16="http://schemas.microsoft.com/office/drawing/2014/main" id="{513A82AE-6F04-4EAB-BF2C-8FF6276830BA}"/>
+              </a:ext>
+            </a:extLst>
+          </p:cNvPr>
+          <p:cNvSpPr txBox="1"/>
+          <p:nvPr/>
+        </p:nvSpPr>
+        <p:spPr>
+          <a:xfrm>
+            <a:off x="3790587" y="3988174"/>
+            <a:ext cx="1622322" cy="858548"/>
+          </a:xfrm>
+          <a:prstGeom prst="roundRect">
+            <a:avLst/>
+          </a:prstGeom>
+          <a:solidFill>
+            <a:srgbClr val="4192EB"/>
+          </a:solidFill>
+        </p:spPr>
+        <p:txBody>
+          <a:bodyPr wrap="square" rtlCol="0" anchor="ctr" anchorCtr="0">
+            <a:noAutofit/>
+          </a:bodyPr>
+          <a:lstStyle/>
+          <a:p>
+            <a:pPr algn="ctr"/>
+            <a:r>
+              <a:rPr lang="en-US" sz="3000" dirty="0"/>
+              <a:t>Heroku</a:t>
+            </a:r>
+          </a:p>
+        </p:txBody>
+      </p:sp>
+      <p:sp>
+        <p:nvSpPr>
+          <p:cNvPr id="22" name="TextBox 21">
+            <a:extLst>
+              <a:ext uri="{FF2B5EF4-FFF2-40B4-BE49-F238E27FC236}">
+                <a16:creationId xmlns:a16="http://schemas.microsoft.com/office/drawing/2014/main" id="{EB92E901-210D-4AC0-A45B-491CF1DD3F6F}"/>
+              </a:ext>
+            </a:extLst>
+          </p:cNvPr>
+          <p:cNvSpPr txBox="1"/>
+          <p:nvPr/>
+        </p:nvSpPr>
+        <p:spPr>
+          <a:xfrm>
+            <a:off x="997944" y="3988174"/>
+            <a:ext cx="1622322" cy="858548"/>
+          </a:xfrm>
+          <a:prstGeom prst="roundRect">
+            <a:avLst/>
+          </a:prstGeom>
+          <a:solidFill>
+            <a:srgbClr val="F6A21D"/>
+          </a:solidFill>
+        </p:spPr>
+        <p:txBody>
+          <a:bodyPr wrap="square" rtlCol="0" anchor="ctr" anchorCtr="0">
+            <a:noAutofit/>
+          </a:bodyPr>
+          <a:lstStyle/>
+          <a:p>
+            <a:pPr algn="ctr"/>
+            <a:r>
+              <a:rPr lang="en-US" sz="3000" dirty="0"/>
+              <a:t>Local</a:t>
+            </a:r>
+          </a:p>
+        </p:txBody>
+      </p:sp>
+      <p:sp>
+        <p:nvSpPr>
+          <p:cNvPr id="23" name="TextBox 22">
+            <a:extLst>
+              <a:ext uri="{FF2B5EF4-FFF2-40B4-BE49-F238E27FC236}">
+                <a16:creationId xmlns:a16="http://schemas.microsoft.com/office/drawing/2014/main" id="{103F5FC2-5C3B-40AF-BD2D-BACCCEDB04D1}"/>
+              </a:ext>
+            </a:extLst>
+          </p:cNvPr>
+          <p:cNvSpPr txBox="1"/>
+          <p:nvPr/>
+        </p:nvSpPr>
+        <p:spPr>
+          <a:xfrm>
+            <a:off x="6681160" y="5522550"/>
+            <a:ext cx="1622322" cy="858548"/>
+          </a:xfrm>
+          <a:prstGeom prst="roundRect">
+            <a:avLst/>
+          </a:prstGeom>
+          <a:solidFill>
+            <a:srgbClr val="F6A21D"/>
+          </a:solidFill>
+        </p:spPr>
+        <p:txBody>
+          <a:bodyPr wrap="square" rtlCol="0" anchor="ctr" anchorCtr="0">
+            <a:noAutofit/>
+          </a:bodyPr>
+          <a:lstStyle/>
+          <a:p>
+            <a:pPr algn="ctr"/>
+            <a:r>
+              <a:rPr lang="en-US" sz="3000" dirty="0"/>
+              <a:t>Twilio</a:t>
+            </a:r>
+          </a:p>
+        </p:txBody>
+      </p:sp>
+      <p:sp>
+        <p:nvSpPr>
+          <p:cNvPr id="24" name="TextBox 23">
+            <a:extLst>
+              <a:ext uri="{FF2B5EF4-FFF2-40B4-BE49-F238E27FC236}">
+                <a16:creationId xmlns:a16="http://schemas.microsoft.com/office/drawing/2014/main" id="{01025365-48DA-47E9-9BDD-2E99702B228B}"/>
+              </a:ext>
+            </a:extLst>
+          </p:cNvPr>
+          <p:cNvSpPr txBox="1"/>
+          <p:nvPr/>
+        </p:nvSpPr>
+        <p:spPr>
+          <a:xfrm>
+            <a:off x="6583230" y="2465842"/>
+            <a:ext cx="1818182" cy="858548"/>
+          </a:xfrm>
+          <a:prstGeom prst="roundRect">
+            <a:avLst/>
+          </a:prstGeom>
+          <a:solidFill>
+            <a:srgbClr val="4192EB"/>
+          </a:solidFill>
+        </p:spPr>
+        <p:txBody>
+          <a:bodyPr wrap="square" rtlCol="0" anchor="ctr" anchorCtr="0">
+            <a:noAutofit/>
+          </a:bodyPr>
+          <a:lstStyle/>
+          <a:p>
+            <a:pPr algn="ctr"/>
+            <a:r>
+              <a:rPr lang="en-US" sz="3000" dirty="0"/>
+              <a:t>Facebook</a:t>
+            </a:r>
+          </a:p>
+        </p:txBody>
+      </p:sp>
+      <p:sp>
+        <p:nvSpPr>
+          <p:cNvPr id="25" name="TextBox 24">
+            <a:extLst>
+              <a:ext uri="{FF2B5EF4-FFF2-40B4-BE49-F238E27FC236}">
+                <a16:creationId xmlns:a16="http://schemas.microsoft.com/office/drawing/2014/main" id="{9D96CB2F-D05C-4954-8F31-1D5A67A97B56}"/>
+              </a:ext>
+            </a:extLst>
+          </p:cNvPr>
+          <p:cNvSpPr txBox="1"/>
+          <p:nvPr/>
+        </p:nvSpPr>
+        <p:spPr>
+          <a:xfrm>
+            <a:off x="6681160" y="3988174"/>
+            <a:ext cx="1622322" cy="858548"/>
+          </a:xfrm>
+          <a:prstGeom prst="roundRect">
+            <a:avLst/>
+          </a:prstGeom>
+          <a:solidFill>
+            <a:srgbClr val="F6A21D"/>
+          </a:solidFill>
+        </p:spPr>
+        <p:txBody>
+          <a:bodyPr wrap="square" rtlCol="0" anchor="ctr" anchorCtr="0">
+            <a:noAutofit/>
+          </a:bodyPr>
+          <a:lstStyle/>
+          <a:p>
+            <a:pPr algn="ctr"/>
+            <a:r>
+              <a:rPr lang="en-US" sz="3000" dirty="0" err="1"/>
+              <a:t>Sendgrid</a:t>
+            </a:r>
+            <a:endParaRPr lang="en-US" sz="3000" dirty="0"/>
+          </a:p>
+        </p:txBody>
+      </p:sp>
+      <p:sp>
+        <p:nvSpPr>
+          <p:cNvPr id="26" name="화살표: 왼쪽/오른쪽 25">
+            <a:extLst>
+              <a:ext uri="{FF2B5EF4-FFF2-40B4-BE49-F238E27FC236}">
+                <a16:creationId xmlns:a16="http://schemas.microsoft.com/office/drawing/2014/main" id="{910625D0-FA3C-4D9A-A600-5988EBB00882}"/>
+              </a:ext>
+            </a:extLst>
+          </p:cNvPr>
+          <p:cNvSpPr/>
+          <p:nvPr/>
+        </p:nvSpPr>
+        <p:spPr>
+          <a:xfrm>
+            <a:off x="2862505" y="4195459"/>
+            <a:ext cx="783772" cy="443977"/>
+          </a:xfrm>
+          <a:prstGeom prst="leftRightArrow">
+            <a:avLst/>
+          </a:prstGeom>
+          <a:solidFill>
+            <a:schemeClr val="accent1">
+              <a:lumMod val="20000"/>
+              <a:lumOff val="80000"/>
+            </a:schemeClr>
+          </a:solidFill>
+        </p:spPr>
+        <p:style>
+          <a:lnRef idx="2">
+            <a:schemeClr val="accent1">
+              <a:shade val="50000"/>
+            </a:schemeClr>
+          </a:lnRef>
+          <a:fillRef idx="1">
+            <a:schemeClr val="accent1"/>
+          </a:fillRef>
+          <a:effectRef idx="0">
+            <a:schemeClr val="accent1"/>
+          </a:effectRef>
+          <a:fontRef idx="minor">
+            <a:schemeClr val="lt1"/>
+          </a:fontRef>
+        </p:style>
+        <p:txBody>
+          <a:bodyPr rtlCol="0" anchor="ctr"/>
+          <a:lstStyle/>
+          <a:p>
+            <a:pPr algn="ctr"/>
+            <a:endParaRPr lang="en-US"/>
+          </a:p>
+        </p:txBody>
+      </p:sp>
+      <p:sp>
+        <p:nvSpPr>
+          <p:cNvPr id="27" name="화살표: 왼쪽/오른쪽 26">
+            <a:extLst>
+              <a:ext uri="{FF2B5EF4-FFF2-40B4-BE49-F238E27FC236}">
+                <a16:creationId xmlns:a16="http://schemas.microsoft.com/office/drawing/2014/main" id="{A3CF292D-CFB8-4769-B018-15C26843766E}"/>
+              </a:ext>
+            </a:extLst>
+          </p:cNvPr>
+          <p:cNvSpPr/>
+          <p:nvPr/>
+        </p:nvSpPr>
+        <p:spPr>
+          <a:xfrm rot="5400000">
+            <a:off x="4333091" y="3431278"/>
+            <a:ext cx="537310" cy="443977"/>
+          </a:xfrm>
+          <a:prstGeom prst="leftRightArrow">
+            <a:avLst/>
+          </a:prstGeom>
+          <a:solidFill>
+            <a:srgbClr val="ABE9FF"/>
+          </a:solidFill>
+          <a:ln>
+            <a:solidFill>
+              <a:srgbClr val="4192EB"/>
+            </a:solidFill>
+          </a:ln>
+        </p:spPr>
+        <p:style>
+          <a:lnRef idx="2">
+            <a:schemeClr val="accent1">
+              <a:shade val="50000"/>
+            </a:schemeClr>
+          </a:lnRef>
+          <a:fillRef idx="1">
+            <a:schemeClr val="accent1"/>
+          </a:fillRef>
+          <a:effectRef idx="0">
+            <a:schemeClr val="accent1"/>
+          </a:effectRef>
+          <a:fontRef idx="minor">
+            <a:schemeClr val="lt1"/>
+          </a:fontRef>
+        </p:style>
+        <p:txBody>
+          <a:bodyPr rtlCol="0" anchor="ctr"/>
+          <a:lstStyle/>
+          <a:p>
+            <a:pPr algn="ctr"/>
+            <a:endParaRPr lang="en-US"/>
+          </a:p>
+        </p:txBody>
+      </p:sp>
+      <p:sp>
+        <p:nvSpPr>
+          <p:cNvPr id="28" name="화살표: 왼쪽/오른쪽 27">
+            <a:extLst>
+              <a:ext uri="{FF2B5EF4-FFF2-40B4-BE49-F238E27FC236}">
+                <a16:creationId xmlns:a16="http://schemas.microsoft.com/office/drawing/2014/main" id="{37E87DEE-5AC1-42A6-AFBE-438D255DAC40}"/>
+              </a:ext>
+            </a:extLst>
+          </p:cNvPr>
+          <p:cNvSpPr/>
+          <p:nvPr/>
+        </p:nvSpPr>
+        <p:spPr>
+          <a:xfrm>
+            <a:off x="8545721" y="4195457"/>
+            <a:ext cx="783772" cy="443977"/>
+          </a:xfrm>
+          <a:prstGeom prst="leftRightArrow">
+            <a:avLst/>
+          </a:prstGeom>
+          <a:solidFill>
+            <a:schemeClr val="accent1">
+              <a:lumMod val="20000"/>
+              <a:lumOff val="80000"/>
+            </a:schemeClr>
+          </a:solidFill>
+        </p:spPr>
+        <p:style>
+          <a:lnRef idx="2">
+            <a:schemeClr val="accent1">
+              <a:shade val="50000"/>
+            </a:schemeClr>
+          </a:lnRef>
+          <a:fillRef idx="1">
+            <a:schemeClr val="accent1"/>
+          </a:fillRef>
+          <a:effectRef idx="0">
+            <a:schemeClr val="accent1"/>
+          </a:effectRef>
+          <a:fontRef idx="minor">
+            <a:schemeClr val="lt1"/>
+          </a:fontRef>
+        </p:style>
+        <p:txBody>
+          <a:bodyPr rtlCol="0" anchor="ctr"/>
+          <a:lstStyle/>
+          <a:p>
+            <a:pPr algn="ctr"/>
+            <a:endParaRPr lang="en-US"/>
+          </a:p>
+        </p:txBody>
+      </p:sp>
+      <p:sp>
+        <p:nvSpPr>
+          <p:cNvPr id="31" name="화살표: 위쪽/아래쪽 30">
+            <a:extLst>
+              <a:ext uri="{FF2B5EF4-FFF2-40B4-BE49-F238E27FC236}">
+                <a16:creationId xmlns:a16="http://schemas.microsoft.com/office/drawing/2014/main" id="{90E09D61-6895-46BC-8FAE-754525A0BCB8}"/>
+              </a:ext>
+            </a:extLst>
+          </p:cNvPr>
+          <p:cNvSpPr/>
+          <p:nvPr/>
+        </p:nvSpPr>
+        <p:spPr>
+          <a:xfrm rot="18366477">
+            <a:off x="5834148" y="4935144"/>
+            <a:ext cx="431075" cy="1060266"/>
+          </a:xfrm>
+          <a:prstGeom prst="upDownArrow">
+            <a:avLst/>
+          </a:prstGeom>
+          <a:solidFill>
+            <a:schemeClr val="accent1">
+              <a:lumMod val="20000"/>
+              <a:lumOff val="80000"/>
+            </a:schemeClr>
+          </a:solidFill>
+        </p:spPr>
+        <p:style>
+          <a:lnRef idx="2">
+            <a:schemeClr val="accent1">
+              <a:shade val="50000"/>
+            </a:schemeClr>
+          </a:lnRef>
+          <a:fillRef idx="1">
+            <a:schemeClr val="accent1"/>
+          </a:fillRef>
+          <a:effectRef idx="0">
+            <a:schemeClr val="accent1"/>
+          </a:effectRef>
+          <a:fontRef idx="minor">
+            <a:schemeClr val="lt1"/>
+          </a:fontRef>
+        </p:style>
+        <p:txBody>
+          <a:bodyPr rtlCol="0" anchor="ctr"/>
+          <a:lstStyle/>
+          <a:p>
+            <a:pPr algn="ctr"/>
+            <a:endParaRPr lang="en-US"/>
+          </a:p>
+        </p:txBody>
+      </p:sp>
+      <p:sp>
+        <p:nvSpPr>
+          <p:cNvPr id="33" name="화살표: 위쪽/아래쪽 32">
+            <a:extLst>
+              <a:ext uri="{FF2B5EF4-FFF2-40B4-BE49-F238E27FC236}">
+                <a16:creationId xmlns:a16="http://schemas.microsoft.com/office/drawing/2014/main" id="{5E8E595B-B6C5-4DF1-9C4D-C23D2DADE200}"/>
+              </a:ext>
+            </a:extLst>
+          </p:cNvPr>
+          <p:cNvSpPr/>
+          <p:nvPr/>
+        </p:nvSpPr>
+        <p:spPr>
+          <a:xfrm rot="14228421">
+            <a:off x="5778520" y="3152733"/>
+            <a:ext cx="431075" cy="1060266"/>
+          </a:xfrm>
+          <a:prstGeom prst="upDownArrow">
+            <a:avLst/>
+          </a:prstGeom>
+          <a:solidFill>
+            <a:srgbClr val="ABE9FF"/>
+          </a:solidFill>
+          <a:ln>
+            <a:solidFill>
+              <a:srgbClr val="4192EB"/>
+            </a:solidFill>
+          </a:ln>
+        </p:spPr>
+        <p:style>
+          <a:lnRef idx="2">
+            <a:schemeClr val="accent1">
+              <a:shade val="50000"/>
+            </a:schemeClr>
+          </a:lnRef>
+          <a:fillRef idx="1">
+            <a:schemeClr val="accent1"/>
+          </a:fillRef>
+          <a:effectRef idx="0">
+            <a:schemeClr val="accent1"/>
+          </a:effectRef>
+          <a:fontRef idx="minor">
+            <a:schemeClr val="lt1"/>
+          </a:fontRef>
+        </p:style>
+        <p:txBody>
+          <a:bodyPr rtlCol="0" anchor="ctr"/>
+          <a:lstStyle/>
+          <a:p>
+            <a:pPr algn="ctr"/>
+            <a:endParaRPr lang="en-US"/>
+          </a:p>
+        </p:txBody>
+      </p:sp>
+      <p:sp>
+        <p:nvSpPr>
+          <p:cNvPr id="34" name="화살표: 위쪽/아래쪽 33">
+            <a:extLst>
+              <a:ext uri="{FF2B5EF4-FFF2-40B4-BE49-F238E27FC236}">
+                <a16:creationId xmlns:a16="http://schemas.microsoft.com/office/drawing/2014/main" id="{FA6DC64F-F213-4D41-B8A6-D06E1512A180}"/>
+              </a:ext>
+            </a:extLst>
+          </p:cNvPr>
+          <p:cNvSpPr/>
+          <p:nvPr/>
+        </p:nvSpPr>
+        <p:spPr>
+          <a:xfrm rot="19154619">
+            <a:off x="8839547" y="2844976"/>
+            <a:ext cx="431075" cy="1060266"/>
+          </a:xfrm>
+          <a:prstGeom prst="upDownArrow">
+            <a:avLst/>
+          </a:prstGeom>
+          <a:solidFill>
+            <a:schemeClr val="accent1">
+              <a:lumMod val="20000"/>
+              <a:lumOff val="80000"/>
+            </a:schemeClr>
+          </a:solidFill>
+        </p:spPr>
+        <p:style>
+          <a:lnRef idx="2">
+            <a:schemeClr val="accent1">
+              <a:shade val="50000"/>
+            </a:schemeClr>
+          </a:lnRef>
+          <a:fillRef idx="1">
+            <a:schemeClr val="accent1"/>
+          </a:fillRef>
+          <a:effectRef idx="0">
+            <a:schemeClr val="accent1"/>
+          </a:effectRef>
+          <a:fontRef idx="minor">
+            <a:schemeClr val="lt1"/>
+          </a:fontRef>
+        </p:style>
+        <p:txBody>
+          <a:bodyPr rtlCol="0" anchor="ctr"/>
+          <a:lstStyle/>
+          <a:p>
+            <a:pPr algn="ctr"/>
+            <a:endParaRPr lang="en-US"/>
+          </a:p>
+        </p:txBody>
+      </p:sp>
+      <p:sp>
+        <p:nvSpPr>
+          <p:cNvPr id="35" name="화살표: 위쪽/아래쪽 34">
+            <a:extLst>
+              <a:ext uri="{FF2B5EF4-FFF2-40B4-BE49-F238E27FC236}">
+                <a16:creationId xmlns:a16="http://schemas.microsoft.com/office/drawing/2014/main" id="{1FE0818D-A7A3-4016-A056-8D16DF47633C}"/>
+              </a:ext>
+            </a:extLst>
+          </p:cNvPr>
+          <p:cNvSpPr/>
+          <p:nvPr/>
+        </p:nvSpPr>
+        <p:spPr>
+          <a:xfrm rot="2803581">
+            <a:off x="8774469" y="4882478"/>
+            <a:ext cx="431075" cy="1097280"/>
+          </a:xfrm>
+          <a:prstGeom prst="upDownArrow">
+            <a:avLst/>
+          </a:prstGeom>
+          <a:solidFill>
+            <a:schemeClr val="accent1">
+              <a:lumMod val="20000"/>
+              <a:lumOff val="80000"/>
+            </a:schemeClr>
+          </a:solidFill>
+        </p:spPr>
+        <p:style>
+          <a:lnRef idx="2">
+            <a:schemeClr val="accent1">
+              <a:shade val="50000"/>
+            </a:schemeClr>
+          </a:lnRef>
+          <a:fillRef idx="1">
+            <a:schemeClr val="accent1"/>
+          </a:fillRef>
+          <a:effectRef idx="0">
+            <a:schemeClr val="accent1"/>
+          </a:effectRef>
+          <a:fontRef idx="minor">
+            <a:schemeClr val="lt1"/>
+          </a:fontRef>
+        </p:style>
+        <p:txBody>
+          <a:bodyPr rtlCol="0" anchor="ctr"/>
+          <a:lstStyle/>
+          <a:p>
+            <a:pPr algn="ctr"/>
+            <a:endParaRPr lang="en-US"/>
+          </a:p>
+        </p:txBody>
+      </p:sp>
+      <p:sp>
+        <p:nvSpPr>
+          <p:cNvPr id="39" name="TextBox 38">
+            <a:extLst>
+              <a:ext uri="{FF2B5EF4-FFF2-40B4-BE49-F238E27FC236}">
+                <a16:creationId xmlns:a16="http://schemas.microsoft.com/office/drawing/2014/main" id="{3E6CF412-FFC2-427A-8261-91C2D04D8B9D}"/>
+              </a:ext>
+            </a:extLst>
+          </p:cNvPr>
+          <p:cNvSpPr txBox="1"/>
+          <p:nvPr/>
+        </p:nvSpPr>
+        <p:spPr>
+          <a:xfrm>
+            <a:off x="3921559" y="4815599"/>
+            <a:ext cx="1360377" cy="369332"/>
+          </a:xfrm>
+          <a:prstGeom prst="rect">
+            <a:avLst/>
+          </a:prstGeom>
+          <a:noFill/>
+        </p:spPr>
+        <p:txBody>
+          <a:bodyPr wrap="square" rtlCol="0">
+            <a:spAutoFit/>
+          </a:bodyPr>
+          <a:lstStyle/>
+          <a:p>
+            <a:pPr algn="ctr"/>
+            <a:r>
+              <a:rPr lang="en-US" dirty="0"/>
+              <a:t>Server</a:t>
+            </a:r>
+          </a:p>
+        </p:txBody>
+      </p:sp>
+      <p:sp>
+        <p:nvSpPr>
+          <p:cNvPr id="40" name="TextBox 39">
+            <a:extLst>
+              <a:ext uri="{FF2B5EF4-FFF2-40B4-BE49-F238E27FC236}">
+                <a16:creationId xmlns:a16="http://schemas.microsoft.com/office/drawing/2014/main" id="{6874408D-23CF-43E8-9BE5-254244E32661}"/>
+              </a:ext>
+            </a:extLst>
+          </p:cNvPr>
+          <p:cNvSpPr txBox="1"/>
+          <p:nvPr/>
+        </p:nvSpPr>
+        <p:spPr>
+          <a:xfrm>
+            <a:off x="6817435" y="4846722"/>
+            <a:ext cx="1360377" cy="369332"/>
+          </a:xfrm>
+          <a:prstGeom prst="rect">
+            <a:avLst/>
+          </a:prstGeom>
+          <a:noFill/>
+        </p:spPr>
+        <p:txBody>
+          <a:bodyPr wrap="square" rtlCol="0">
+            <a:spAutoFit/>
+          </a:bodyPr>
+          <a:lstStyle/>
+          <a:p>
+            <a:pPr algn="ctr"/>
+            <a:r>
+              <a:rPr lang="en-US" dirty="0"/>
+              <a:t>Email</a:t>
+            </a:r>
+          </a:p>
+        </p:txBody>
+      </p:sp>
+      <p:sp>
+        <p:nvSpPr>
+          <p:cNvPr id="41" name="TextBox 40">
+            <a:extLst>
+              <a:ext uri="{FF2B5EF4-FFF2-40B4-BE49-F238E27FC236}">
+                <a16:creationId xmlns:a16="http://schemas.microsoft.com/office/drawing/2014/main" id="{85E415C8-BDAA-4B73-8BC3-10EB9A9729C9}"/>
+              </a:ext>
+            </a:extLst>
+          </p:cNvPr>
+          <p:cNvSpPr txBox="1"/>
+          <p:nvPr/>
+        </p:nvSpPr>
+        <p:spPr>
+          <a:xfrm>
+            <a:off x="6817435" y="6397228"/>
+            <a:ext cx="1360377" cy="369332"/>
+          </a:xfrm>
+          <a:prstGeom prst="rect">
+            <a:avLst/>
+          </a:prstGeom>
+          <a:noFill/>
+        </p:spPr>
+        <p:txBody>
+          <a:bodyPr wrap="square" rtlCol="0">
+            <a:spAutoFit/>
+          </a:bodyPr>
+          <a:lstStyle/>
+          <a:p>
+            <a:pPr algn="ctr"/>
+            <a:r>
+              <a:rPr lang="en-US" dirty="0"/>
+              <a:t>SMS</a:t>
+            </a:r>
+          </a:p>
+        </p:txBody>
+      </p:sp>
+      <p:sp>
+        <p:nvSpPr>
+          <p:cNvPr id="42" name="TextBox 41">
+            <a:extLst>
+              <a:ext uri="{FF2B5EF4-FFF2-40B4-BE49-F238E27FC236}">
+                <a16:creationId xmlns:a16="http://schemas.microsoft.com/office/drawing/2014/main" id="{0BC2F17F-F8E2-48FF-832C-4AD8B9E972B2}"/>
+              </a:ext>
+            </a:extLst>
+          </p:cNvPr>
+          <p:cNvSpPr txBox="1"/>
+          <p:nvPr/>
+        </p:nvSpPr>
+        <p:spPr>
+          <a:xfrm>
+            <a:off x="1128916" y="4846722"/>
+            <a:ext cx="1360377" cy="369332"/>
+          </a:xfrm>
+          <a:prstGeom prst="rect">
+            <a:avLst/>
+          </a:prstGeom>
+          <a:noFill/>
+        </p:spPr>
+        <p:txBody>
+          <a:bodyPr wrap="square" rtlCol="0">
+            <a:spAutoFit/>
+          </a:bodyPr>
+          <a:lstStyle/>
+          <a:p>
+            <a:pPr algn="ctr"/>
+            <a:r>
+              <a:rPr lang="en-US" dirty="0"/>
+              <a:t>Developer</a:t>
+            </a:r>
+          </a:p>
+        </p:txBody>
+      </p:sp>
+      <p:pic>
+        <p:nvPicPr>
+          <p:cNvPr id="29" name="Picture 2" descr="https://images.vexels.com/media/users/3/128132/isolated/preview/fa3b9aad78a9db81459bd03294a0f985-flat-laptop-icon-by-vexels.png">
+            <a:extLst>
+              <a:ext uri="{FF2B5EF4-FFF2-40B4-BE49-F238E27FC236}">
+                <a16:creationId xmlns:a16="http://schemas.microsoft.com/office/drawing/2014/main" id="{0CE503CF-0A0C-4BEC-88DB-A9E29DF9C0CF}"/>
+              </a:ext>
+            </a:extLst>
+          </p:cNvPr>
+          <p:cNvPicPr>
+            <a:picLocks noChangeAspect="1" noChangeArrowheads="1"/>
+          </p:cNvPicPr>
+          <p:nvPr/>
+        </p:nvPicPr>
+        <p:blipFill rotWithShape="1">
+          <a:blip r:embed="rId3">
+            <a:extLst>
+              <a:ext uri="{28A0092B-C50C-407E-A947-70E740481C1C}">
+                <a14:useLocalDpi xmlns:a14="http://schemas.microsoft.com/office/drawing/2010/main" val="0"/>
+              </a:ext>
+            </a:extLst>
+          </a:blip>
+          <a:srcRect t="18951" b="16694"/>
+          <a:stretch/>
+        </p:blipFill>
+        <p:spPr bwMode="auto">
+          <a:xfrm>
+            <a:off x="9537213" y="3148630"/>
+            <a:ext cx="1678365" cy="1080093"/>
+          </a:xfrm>
+          <a:prstGeom prst="rect">
+            <a:avLst/>
+          </a:prstGeom>
+          <a:noFill/>
+          <a:extLst>
+            <a:ext uri="{909E8E84-426E-40DD-AFC4-6F175D3DCCD1}">
+              <a14:hiddenFill xmlns:a14="http://schemas.microsoft.com/office/drawing/2010/main">
+                <a:solidFill>
+                  <a:srgbClr val="FFFFFF"/>
+                </a:solidFill>
+              </a14:hiddenFill>
+            </a:ext>
+          </a:extLst>
+        </p:spPr>
+      </p:pic>
+      <p:sp>
+        <p:nvSpPr>
+          <p:cNvPr id="36" name="TextBox 35">
+            <a:extLst>
+              <a:ext uri="{FF2B5EF4-FFF2-40B4-BE49-F238E27FC236}">
+                <a16:creationId xmlns:a16="http://schemas.microsoft.com/office/drawing/2014/main" id="{1F3419F1-F868-42AE-A1EC-18D5F0DA5EFF}"/>
+              </a:ext>
+            </a:extLst>
+          </p:cNvPr>
+          <p:cNvSpPr txBox="1"/>
+          <p:nvPr/>
+        </p:nvSpPr>
+        <p:spPr>
+          <a:xfrm>
+            <a:off x="3790586" y="2459810"/>
+            <a:ext cx="1622322" cy="858548"/>
+          </a:xfrm>
+          <a:prstGeom prst="roundRect">
+            <a:avLst/>
+          </a:prstGeom>
+          <a:solidFill>
+            <a:srgbClr val="4192EB"/>
+          </a:solidFill>
+        </p:spPr>
+        <p:txBody>
+          <a:bodyPr wrap="square" rtlCol="0" anchor="ctr" anchorCtr="0">
+            <a:noAutofit/>
+          </a:bodyPr>
+          <a:lstStyle/>
+          <a:p>
+            <a:pPr algn="ctr"/>
+            <a:r>
+              <a:rPr lang="en-US" sz="3000" dirty="0"/>
+              <a:t>API.AI</a:t>
+            </a:r>
+          </a:p>
+        </p:txBody>
+      </p:sp>
+      <p:sp>
+        <p:nvSpPr>
+          <p:cNvPr id="43" name="화살표: 왼쪽/오른쪽 42">
+            <a:extLst>
+              <a:ext uri="{FF2B5EF4-FFF2-40B4-BE49-F238E27FC236}">
+                <a16:creationId xmlns:a16="http://schemas.microsoft.com/office/drawing/2014/main" id="{6CBDEC3C-3C44-4242-9AC6-5ADD6A163170}"/>
+              </a:ext>
+            </a:extLst>
+          </p:cNvPr>
+          <p:cNvSpPr/>
+          <p:nvPr/>
+        </p:nvSpPr>
+        <p:spPr>
+          <a:xfrm>
+            <a:off x="5655148" y="4195458"/>
+            <a:ext cx="783772" cy="443977"/>
+          </a:xfrm>
+          <a:prstGeom prst="leftRightArrow">
+            <a:avLst/>
+          </a:prstGeom>
+          <a:solidFill>
+            <a:schemeClr val="accent1">
+              <a:lumMod val="20000"/>
+              <a:lumOff val="80000"/>
+            </a:schemeClr>
+          </a:solidFill>
+        </p:spPr>
+        <p:style>
+          <a:lnRef idx="2">
+            <a:schemeClr val="accent1">
+              <a:shade val="50000"/>
+            </a:schemeClr>
+          </a:lnRef>
+          <a:fillRef idx="1">
+            <a:schemeClr val="accent1"/>
+          </a:fillRef>
+          <a:effectRef idx="0">
+            <a:schemeClr val="accent1"/>
+          </a:effectRef>
+          <a:fontRef idx="minor">
+            <a:schemeClr val="lt1"/>
+          </a:fontRef>
+        </p:style>
+        <p:txBody>
+          <a:bodyPr rtlCol="0" anchor="ctr"/>
+          <a:lstStyle/>
+          <a:p>
+            <a:pPr algn="ctr"/>
+            <a:endParaRPr lang="en-US"/>
+          </a:p>
+        </p:txBody>
+      </p:sp>
+      <p:sp>
+        <p:nvSpPr>
+          <p:cNvPr id="44" name="화살표: 왼쪽/오른쪽 43">
+            <a:extLst>
+              <a:ext uri="{FF2B5EF4-FFF2-40B4-BE49-F238E27FC236}">
+                <a16:creationId xmlns:a16="http://schemas.microsoft.com/office/drawing/2014/main" id="{9FA21403-D894-4185-93EC-FCBCCFF0E905}"/>
+              </a:ext>
+            </a:extLst>
+          </p:cNvPr>
+          <p:cNvSpPr/>
+          <p:nvPr/>
+        </p:nvSpPr>
+        <p:spPr>
+          <a:xfrm>
+            <a:off x="5655148" y="2647489"/>
+            <a:ext cx="783772" cy="443977"/>
+          </a:xfrm>
+          <a:prstGeom prst="leftRightArrow">
+            <a:avLst/>
+          </a:prstGeom>
+          <a:solidFill>
+            <a:srgbClr val="ABE9FF"/>
+          </a:solidFill>
+          <a:ln>
+            <a:solidFill>
+              <a:srgbClr val="4192EB"/>
+            </a:solidFill>
+          </a:ln>
+        </p:spPr>
+        <p:style>
+          <a:lnRef idx="2">
+            <a:schemeClr val="accent1">
+              <a:shade val="50000"/>
+            </a:schemeClr>
+          </a:lnRef>
+          <a:fillRef idx="1">
+            <a:schemeClr val="accent1"/>
+          </a:fillRef>
+          <a:effectRef idx="0">
+            <a:schemeClr val="accent1"/>
+          </a:effectRef>
+          <a:fontRef idx="minor">
+            <a:schemeClr val="lt1"/>
+          </a:fontRef>
+        </p:style>
+        <p:txBody>
+          <a:bodyPr rtlCol="0" anchor="ctr"/>
+          <a:lstStyle/>
+          <a:p>
+            <a:pPr algn="ctr"/>
+            <a:endParaRPr lang="en-US"/>
+          </a:p>
+        </p:txBody>
+      </p:sp>
+    </p:spTree>
+    <p:extLst>
+      <p:ext uri="{BB962C8B-B14F-4D97-AF65-F5344CB8AC3E}">
+        <p14:creationId xmlns:p14="http://schemas.microsoft.com/office/powerpoint/2010/main" val="239329548"/>
+      </p:ext>
+    </p:extLst>
+  </p:cSld>
+  <p:clrMapOvr>
+    <a:masterClrMapping/>
+  </p:clrMapOvr>
+</p:sld>
+</file>
+
+<file path=ppt/slides/slide3.xml><?xml version="1.0" encoding="utf-8"?>
+<p:sld xmlns:a="http://schemas.openxmlformats.org/drawingml/2006/main" xmlns:r="http://schemas.openxmlformats.org/officeDocument/2006/relationships" xmlns:p="http://schemas.openxmlformats.org/presentationml/2006/main">
+  <p:cSld>
+    <p:spTree>
+      <p:nvGrpSpPr>
+        <p:cNvPr id="1" name=""/>
+        <p:cNvGrpSpPr/>
+        <p:nvPr/>
+      </p:nvGrpSpPr>
+      <p:grpSpPr>
+        <a:xfrm>
+          <a:off x="0" y="0"/>
+          <a:ext cx="0" cy="0"/>
+          <a:chOff x="0" y="0"/>
+          <a:chExt cx="0" cy="0"/>
+        </a:xfrm>
+      </p:grpSpPr>
+      <p:sp>
+        <p:nvSpPr>
+          <p:cNvPr id="2" name="제목 1">
+            <a:extLst>
+              <a:ext uri="{FF2B5EF4-FFF2-40B4-BE49-F238E27FC236}">
                 <a16:creationId xmlns:a16="http://schemas.microsoft.com/office/drawing/2014/main" id="{540B01A0-EA50-4C04-B8AF-A63BE91AC11E}"/>
               </a:ext>
             </a:extLst>
@@ -3909,7 +5028,19 @@
           <a:bodyPr/>
           <a:lstStyle/>
           <a:p>
-            <a:endParaRPr lang="en-US"/>
+            <a:r>
+              <a:rPr lang="en-GB" dirty="0"/>
+              <a:t>Heroku Postgres – </a:t>
+            </a:r>
+            <a:r>
+              <a:rPr lang="en-GB" dirty="0" err="1"/>
+              <a:t>SqL</a:t>
+            </a:r>
+            <a:r>
+              <a:rPr lang="en-GB" dirty="0"/>
+              <a:t> DB</a:t>
+            </a:r>
+            <a:endParaRPr lang="en-US" dirty="0"/>
           </a:p>
         </p:txBody>
       </p:sp>
@@ -3934,7 +5065,13 @@
           <a:bodyPr/>
           <a:lstStyle/>
           <a:p>
-            <a:endParaRPr lang="en-US"/>
+            <a:r>
+              <a:rPr lang="en-US" dirty="0">
+                <a:hlinkClick r:id="rId2"/>
+              </a:rPr>
+              <a:t>https://devcenter.heroku.com/categories/heroku-postgres</a:t>
+            </a:r>
+            <a:endParaRPr lang="en-US" dirty="0"/>
           </a:p>
         </p:txBody>
       </p:sp>
@@ -3961,16 +5098,371 @@
           <a:p>
             <a:fld id="{8B9A499C-E7AC-4E74-9635-A20519089A3A}" type="slidenum">
               <a:rPr lang="en-US" smtClean="0"/>
-              <a:t>2</a:t>
+              <a:t>3</a:t>
             </a:fld>
             <a:endParaRPr lang="en-US"/>
           </a:p>
         </p:txBody>
       </p:sp>
+      <p:pic>
+        <p:nvPicPr>
+          <p:cNvPr id="5" name="그림 4">
+            <a:extLst>
+              <a:ext uri="{FF2B5EF4-FFF2-40B4-BE49-F238E27FC236}">
+                <a16:creationId xmlns:a16="http://schemas.microsoft.com/office/drawing/2014/main" id="{FC86F802-455E-4566-BA68-8EE1103931AF}"/>
+              </a:ext>
+            </a:extLst>
+          </p:cNvPr>
+          <p:cNvPicPr>
+            <a:picLocks noChangeAspect="1"/>
+          </p:cNvPicPr>
+          <p:nvPr/>
+        </p:nvPicPr>
+        <p:blipFill>
+          <a:blip r:embed="rId3"/>
+          <a:stretch>
+            <a:fillRect/>
+          </a:stretch>
+        </p:blipFill>
+        <p:spPr>
+          <a:xfrm>
+            <a:off x="3643312" y="3332797"/>
+            <a:ext cx="4905375" cy="2143125"/>
+          </a:xfrm>
+          <a:prstGeom prst="rect">
+            <a:avLst/>
+          </a:prstGeom>
+        </p:spPr>
+      </p:pic>
     </p:spTree>
     <p:extLst>
       <p:ext uri="{BB962C8B-B14F-4D97-AF65-F5344CB8AC3E}">
         <p14:creationId xmlns:p14="http://schemas.microsoft.com/office/powerpoint/2010/main" val="1091391866"/>
+      </p:ext>
+    </p:extLst>
+  </p:cSld>
+  <p:clrMapOvr>
+    <a:masterClrMapping/>
+  </p:clrMapOvr>
+</p:sld>
+</file>
+
+<file path=ppt/slides/slide4.xml><?xml version="1.0" encoding="utf-8"?>
+<p:sld xmlns:a="http://schemas.openxmlformats.org/drawingml/2006/main" xmlns:r="http://schemas.openxmlformats.org/officeDocument/2006/relationships" xmlns:p="http://schemas.openxmlformats.org/presentationml/2006/main">
+  <p:cSld>
+    <p:spTree>
+      <p:nvGrpSpPr>
+        <p:cNvPr id="1" name=""/>
+        <p:cNvGrpSpPr/>
+        <p:nvPr/>
+      </p:nvGrpSpPr>
+      <p:grpSpPr>
+        <a:xfrm>
+          <a:off x="0" y="0"/>
+          <a:ext cx="0" cy="0"/>
+          <a:chOff x="0" y="0"/>
+          <a:chExt cx="0" cy="0"/>
+        </a:xfrm>
+      </p:grpSpPr>
+      <p:sp>
+        <p:nvSpPr>
+          <p:cNvPr id="2" name="제목 1">
+            <a:extLst>
+              <a:ext uri="{FF2B5EF4-FFF2-40B4-BE49-F238E27FC236}">
+                <a16:creationId xmlns:a16="http://schemas.microsoft.com/office/drawing/2014/main" id="{B61CAAE4-CF60-4840-B779-6C43D0D79EDD}"/>
+              </a:ext>
+            </a:extLst>
+          </p:cNvPr>
+          <p:cNvSpPr>
+            <a:spLocks noGrp="1"/>
+          </p:cNvSpPr>
+          <p:nvPr>
+            <p:ph type="title"/>
+          </p:nvPr>
+        </p:nvSpPr>
+        <p:spPr/>
+        <p:txBody>
+          <a:bodyPr/>
+          <a:lstStyle/>
+          <a:p>
+            <a:r>
+              <a:rPr lang="en-GB" dirty="0"/>
+              <a:t>Twilio</a:t>
+            </a:r>
+            <a:endParaRPr lang="en-US" dirty="0"/>
+          </a:p>
+        </p:txBody>
+      </p:sp>
+      <p:sp>
+        <p:nvSpPr>
+          <p:cNvPr id="3" name="내용 개체 틀 2">
+            <a:extLst>
+              <a:ext uri="{FF2B5EF4-FFF2-40B4-BE49-F238E27FC236}">
+                <a16:creationId xmlns:a16="http://schemas.microsoft.com/office/drawing/2014/main" id="{7FA79EBE-6B10-4432-8654-BDFCC65D2EBB}"/>
+              </a:ext>
+            </a:extLst>
+          </p:cNvPr>
+          <p:cNvSpPr>
+            <a:spLocks noGrp="1"/>
+          </p:cNvSpPr>
+          <p:nvPr>
+            <p:ph idx="1"/>
+          </p:nvPr>
+        </p:nvSpPr>
+        <p:spPr/>
+        <p:txBody>
+          <a:bodyPr/>
+          <a:lstStyle/>
+          <a:p>
+            <a:r>
+              <a:rPr lang="en-US" dirty="0"/>
+              <a:t>Programmable SMS sending</a:t>
+            </a:r>
+            <a:endParaRPr lang="en-US" dirty="0">
+              <a:hlinkClick r:id="rId2"/>
+            </a:endParaRPr>
+          </a:p>
+          <a:p>
+            <a:r>
+              <a:rPr lang="en-US" dirty="0">
+                <a:hlinkClick r:id="rId2"/>
+              </a:rPr>
+              <a:t>https://www.twilio.com/docs</a:t>
+            </a:r>
+            <a:endParaRPr lang="en-US" dirty="0"/>
+          </a:p>
+          <a:p>
+            <a:pPr marL="0" indent="0">
+              <a:buNone/>
+            </a:pPr>
+            <a:endParaRPr lang="en-US" dirty="0"/>
+          </a:p>
+        </p:txBody>
+      </p:sp>
+      <p:sp>
+        <p:nvSpPr>
+          <p:cNvPr id="4" name="슬라이드 번호 개체 틀 3">
+            <a:extLst>
+              <a:ext uri="{FF2B5EF4-FFF2-40B4-BE49-F238E27FC236}">
+                <a16:creationId xmlns:a16="http://schemas.microsoft.com/office/drawing/2014/main" id="{0CB6EF11-6D2A-42DA-8747-D02A44DC94DB}"/>
+              </a:ext>
+            </a:extLst>
+          </p:cNvPr>
+          <p:cNvSpPr>
+            <a:spLocks noGrp="1"/>
+          </p:cNvSpPr>
+          <p:nvPr>
+            <p:ph type="sldNum" sz="quarter" idx="12"/>
+          </p:nvPr>
+        </p:nvSpPr>
+        <p:spPr/>
+        <p:txBody>
+          <a:bodyPr/>
+          <a:lstStyle/>
+          <a:p>
+            <a:fld id="{8B9A499C-E7AC-4E74-9635-A20519089A3A}" type="slidenum">
+              <a:rPr lang="en-US" smtClean="0"/>
+              <a:t>4</a:t>
+            </a:fld>
+            <a:endParaRPr lang="en-US"/>
+          </a:p>
+        </p:txBody>
+      </p:sp>
+      <p:pic>
+        <p:nvPicPr>
+          <p:cNvPr id="5" name="그림 4">
+            <a:extLst>
+              <a:ext uri="{FF2B5EF4-FFF2-40B4-BE49-F238E27FC236}">
+                <a16:creationId xmlns:a16="http://schemas.microsoft.com/office/drawing/2014/main" id="{3E2E9829-C5B9-406F-BDA3-CECF45F31470}"/>
+              </a:ext>
+            </a:extLst>
+          </p:cNvPr>
+          <p:cNvPicPr>
+            <a:picLocks noChangeAspect="1"/>
+          </p:cNvPicPr>
+          <p:nvPr/>
+        </p:nvPicPr>
+        <p:blipFill>
+          <a:blip r:embed="rId3"/>
+          <a:stretch>
+            <a:fillRect/>
+          </a:stretch>
+        </p:blipFill>
+        <p:spPr>
+          <a:xfrm>
+            <a:off x="7306246" y="2638044"/>
+            <a:ext cx="2505075" cy="809625"/>
+          </a:xfrm>
+          <a:prstGeom prst="rect">
+            <a:avLst/>
+          </a:prstGeom>
+        </p:spPr>
+      </p:pic>
+    </p:spTree>
+    <p:extLst>
+      <p:ext uri="{BB962C8B-B14F-4D97-AF65-F5344CB8AC3E}">
+        <p14:creationId xmlns:p14="http://schemas.microsoft.com/office/powerpoint/2010/main" val="3824313193"/>
+      </p:ext>
+    </p:extLst>
+  </p:cSld>
+  <p:clrMapOvr>
+    <a:masterClrMapping/>
+  </p:clrMapOvr>
+</p:sld>
+</file>
+
+<file path=ppt/slides/slide5.xml><?xml version="1.0" encoding="utf-8"?>
+<p:sld xmlns:a="http://schemas.openxmlformats.org/drawingml/2006/main" xmlns:r="http://schemas.openxmlformats.org/officeDocument/2006/relationships" xmlns:p="http://schemas.openxmlformats.org/presentationml/2006/main">
+  <p:cSld>
+    <p:spTree>
+      <p:nvGrpSpPr>
+        <p:cNvPr id="1" name=""/>
+        <p:cNvGrpSpPr/>
+        <p:nvPr/>
+      </p:nvGrpSpPr>
+      <p:grpSpPr>
+        <a:xfrm>
+          <a:off x="0" y="0"/>
+          <a:ext cx="0" cy="0"/>
+          <a:chOff x="0" y="0"/>
+          <a:chExt cx="0" cy="0"/>
+        </a:xfrm>
+      </p:grpSpPr>
+      <p:sp>
+        <p:nvSpPr>
+          <p:cNvPr id="2" name="제목 1">
+            <a:extLst>
+              <a:ext uri="{FF2B5EF4-FFF2-40B4-BE49-F238E27FC236}">
+                <a16:creationId xmlns:a16="http://schemas.microsoft.com/office/drawing/2014/main" id="{2C2BFEA0-60BD-4488-8613-FCE9D455D496}"/>
+              </a:ext>
+            </a:extLst>
+          </p:cNvPr>
+          <p:cNvSpPr>
+            <a:spLocks noGrp="1"/>
+          </p:cNvSpPr>
+          <p:nvPr>
+            <p:ph type="title"/>
+          </p:nvPr>
+        </p:nvSpPr>
+        <p:spPr/>
+        <p:txBody>
+          <a:bodyPr/>
+          <a:lstStyle/>
+          <a:p>
+            <a:r>
+              <a:rPr lang="en-GB" dirty="0" err="1"/>
+              <a:t>Sendgrid</a:t>
+            </a:r>
+            <a:endParaRPr lang="en-US" dirty="0"/>
+          </a:p>
+        </p:txBody>
+      </p:sp>
+      <p:sp>
+        <p:nvSpPr>
+          <p:cNvPr id="3" name="내용 개체 틀 2">
+            <a:extLst>
+              <a:ext uri="{FF2B5EF4-FFF2-40B4-BE49-F238E27FC236}">
+                <a16:creationId xmlns:a16="http://schemas.microsoft.com/office/drawing/2014/main" id="{23084C16-B17B-4B8A-983B-6236AAF09EB8}"/>
+              </a:ext>
+            </a:extLst>
+          </p:cNvPr>
+          <p:cNvSpPr>
+            <a:spLocks noGrp="1"/>
+          </p:cNvSpPr>
+          <p:nvPr>
+            <p:ph idx="1"/>
+          </p:nvPr>
+        </p:nvSpPr>
+        <p:spPr/>
+        <p:txBody>
+          <a:bodyPr/>
+          <a:lstStyle/>
+          <a:p>
+            <a:r>
+              <a:rPr lang="en-GB" dirty="0"/>
+              <a:t>Free sending email by programming.</a:t>
+            </a:r>
+          </a:p>
+          <a:p>
+            <a:r>
+              <a:rPr lang="en-US" dirty="0">
+                <a:hlinkClick r:id="rId2"/>
+              </a:rPr>
+              <a:t>https://sendgrid.com/</a:t>
+            </a:r>
+            <a:endParaRPr lang="en-US" dirty="0"/>
+          </a:p>
+          <a:p>
+            <a:pPr marL="0" indent="0">
+              <a:buNone/>
+            </a:pPr>
+            <a:endParaRPr lang="en-US" dirty="0"/>
+          </a:p>
+        </p:txBody>
+      </p:sp>
+      <p:sp>
+        <p:nvSpPr>
+          <p:cNvPr id="4" name="슬라이드 번호 개체 틀 3">
+            <a:extLst>
+              <a:ext uri="{FF2B5EF4-FFF2-40B4-BE49-F238E27FC236}">
+                <a16:creationId xmlns:a16="http://schemas.microsoft.com/office/drawing/2014/main" id="{BBF7097F-89DD-4C27-ABF5-32BB422FBF49}"/>
+              </a:ext>
+            </a:extLst>
+          </p:cNvPr>
+          <p:cNvSpPr>
+            <a:spLocks noGrp="1"/>
+          </p:cNvSpPr>
+          <p:nvPr>
+            <p:ph type="sldNum" sz="quarter" idx="12"/>
+          </p:nvPr>
+        </p:nvSpPr>
+        <p:spPr/>
+        <p:txBody>
+          <a:bodyPr/>
+          <a:lstStyle/>
+          <a:p>
+            <a:fld id="{8B9A499C-E7AC-4E74-9635-A20519089A3A}" type="slidenum">
+              <a:rPr lang="en-US" smtClean="0"/>
+              <a:t>5</a:t>
+            </a:fld>
+            <a:endParaRPr lang="en-US"/>
+          </a:p>
+        </p:txBody>
+      </p:sp>
+      <p:pic>
+        <p:nvPicPr>
+          <p:cNvPr id="5" name="그림 4">
+            <a:extLst>
+              <a:ext uri="{FF2B5EF4-FFF2-40B4-BE49-F238E27FC236}">
+                <a16:creationId xmlns:a16="http://schemas.microsoft.com/office/drawing/2014/main" id="{3B25BCD2-AA85-43EA-ADCE-1DAE8719F4C4}"/>
+              </a:ext>
+            </a:extLst>
+          </p:cNvPr>
+          <p:cNvPicPr>
+            <a:picLocks noChangeAspect="1"/>
+          </p:cNvPicPr>
+          <p:nvPr/>
+        </p:nvPicPr>
+        <p:blipFill>
+          <a:blip r:embed="rId3"/>
+          <a:stretch>
+            <a:fillRect/>
+          </a:stretch>
+        </p:blipFill>
+        <p:spPr>
+          <a:xfrm>
+            <a:off x="7171753" y="2806255"/>
+            <a:ext cx="2066925" cy="733425"/>
+          </a:xfrm>
+          <a:prstGeom prst="rect">
+            <a:avLst/>
+          </a:prstGeom>
+        </p:spPr>
+      </p:pic>
+    </p:spTree>
+    <p:extLst>
+      <p:ext uri="{BB962C8B-B14F-4D97-AF65-F5344CB8AC3E}">
+        <p14:creationId xmlns:p14="http://schemas.microsoft.com/office/powerpoint/2010/main" val="2656850153"/>
       </p:ext>
     </p:extLst>
   </p:cSld>
